--- a/Tunisienne electricity and gas comapny fraud detection - presentation.pptx
+++ b/Tunisienne electricity and gas comapny fraud detection - presentation.pptx
@@ -109,6 +109,11 @@
       </a:defRPr>
     </a:lvl9pPr>
   </p:defaultTextStyle>
+  <p:extLst>
+    <p:ext uri="{EFAFB233-063F-42B5-8137-9DF3F51BA10A}">
+      <p15:sldGuideLst xmlns:p15="http://schemas.microsoft.com/office/powerpoint/2012/main"/>
+    </p:ext>
+  </p:extLst>
 </p:presentation>
 </file>
 
@@ -261,7 +266,7 @@
           <a:p>
             <a:fld id="{886D7EF0-5ED4-41D7-95C0-C36EF810A11B}" type="datetimeFigureOut">
               <a:rPr lang="en-IL" smtClean="0"/>
-              <a:t>14/11/2021</a:t>
+              <a:t>27/12/2021</a:t>
             </a:fld>
             <a:endParaRPr lang="en-IL"/>
           </a:p>
@@ -461,7 +466,7 @@
           <a:p>
             <a:fld id="{886D7EF0-5ED4-41D7-95C0-C36EF810A11B}" type="datetimeFigureOut">
               <a:rPr lang="en-IL" smtClean="0"/>
-              <a:t>14/11/2021</a:t>
+              <a:t>27/12/2021</a:t>
             </a:fld>
             <a:endParaRPr lang="en-IL"/>
           </a:p>
@@ -671,7 +676,7 @@
           <a:p>
             <a:fld id="{886D7EF0-5ED4-41D7-95C0-C36EF810A11B}" type="datetimeFigureOut">
               <a:rPr lang="en-IL" smtClean="0"/>
-              <a:t>14/11/2021</a:t>
+              <a:t>27/12/2021</a:t>
             </a:fld>
             <a:endParaRPr lang="en-IL"/>
           </a:p>
@@ -871,7 +876,7 @@
           <a:p>
             <a:fld id="{886D7EF0-5ED4-41D7-95C0-C36EF810A11B}" type="datetimeFigureOut">
               <a:rPr lang="en-IL" smtClean="0"/>
-              <a:t>14/11/2021</a:t>
+              <a:t>27/12/2021</a:t>
             </a:fld>
             <a:endParaRPr lang="en-IL"/>
           </a:p>
@@ -1147,7 +1152,7 @@
           <a:p>
             <a:fld id="{886D7EF0-5ED4-41D7-95C0-C36EF810A11B}" type="datetimeFigureOut">
               <a:rPr lang="en-IL" smtClean="0"/>
-              <a:t>14/11/2021</a:t>
+              <a:t>27/12/2021</a:t>
             </a:fld>
             <a:endParaRPr lang="en-IL"/>
           </a:p>
@@ -1415,7 +1420,7 @@
           <a:p>
             <a:fld id="{886D7EF0-5ED4-41D7-95C0-C36EF810A11B}" type="datetimeFigureOut">
               <a:rPr lang="en-IL" smtClean="0"/>
-              <a:t>14/11/2021</a:t>
+              <a:t>27/12/2021</a:t>
             </a:fld>
             <a:endParaRPr lang="en-IL"/>
           </a:p>
@@ -1830,7 +1835,7 @@
           <a:p>
             <a:fld id="{886D7EF0-5ED4-41D7-95C0-C36EF810A11B}" type="datetimeFigureOut">
               <a:rPr lang="en-IL" smtClean="0"/>
-              <a:t>14/11/2021</a:t>
+              <a:t>27/12/2021</a:t>
             </a:fld>
             <a:endParaRPr lang="en-IL"/>
           </a:p>
@@ -1972,7 +1977,7 @@
           <a:p>
             <a:fld id="{886D7EF0-5ED4-41D7-95C0-C36EF810A11B}" type="datetimeFigureOut">
               <a:rPr lang="en-IL" smtClean="0"/>
-              <a:t>14/11/2021</a:t>
+              <a:t>27/12/2021</a:t>
             </a:fld>
             <a:endParaRPr lang="en-IL"/>
           </a:p>
@@ -2085,7 +2090,7 @@
           <a:p>
             <a:fld id="{886D7EF0-5ED4-41D7-95C0-C36EF810A11B}" type="datetimeFigureOut">
               <a:rPr lang="en-IL" smtClean="0"/>
-              <a:t>14/11/2021</a:t>
+              <a:t>27/12/2021</a:t>
             </a:fld>
             <a:endParaRPr lang="en-IL"/>
           </a:p>
@@ -2398,7 +2403,7 @@
           <a:p>
             <a:fld id="{886D7EF0-5ED4-41D7-95C0-C36EF810A11B}" type="datetimeFigureOut">
               <a:rPr lang="en-IL" smtClean="0"/>
-              <a:t>14/11/2021</a:t>
+              <a:t>27/12/2021</a:t>
             </a:fld>
             <a:endParaRPr lang="en-IL"/>
           </a:p>
@@ -2687,7 +2692,7 @@
           <a:p>
             <a:fld id="{886D7EF0-5ED4-41D7-95C0-C36EF810A11B}" type="datetimeFigureOut">
               <a:rPr lang="en-IL" smtClean="0"/>
-              <a:t>14/11/2021</a:t>
+              <a:t>27/12/2021</a:t>
             </a:fld>
             <a:endParaRPr lang="en-IL"/>
           </a:p>
@@ -2930,7 +2935,7 @@
           <a:p>
             <a:fld id="{886D7EF0-5ED4-41D7-95C0-C36EF810A11B}" type="datetimeFigureOut">
               <a:rPr lang="en-IL" smtClean="0"/>
-              <a:t>14/11/2021</a:t>
+              <a:t>27/12/2021</a:t>
             </a:fld>
             <a:endParaRPr lang="en-IL"/>
           </a:p>
@@ -3439,8 +3444,8 @@
         </p:nvSpPr>
         <p:spPr>
           <a:xfrm>
-            <a:off x="2728998" y="4731298"/>
-            <a:ext cx="8817412" cy="1167992"/>
+            <a:off x="2728998" y="4617002"/>
+            <a:ext cx="8817412" cy="1440902"/>
           </a:xfrm>
         </p:spPr>
         <p:txBody>
@@ -3479,6 +3484,50 @@
                 </a:effectLst>
               </a:rPr>
               <a:t>Fraud detection</a:t>
+            </a:r>
+            <a:br>
+              <a:rPr lang="he-IL" sz="4000" b="1" dirty="0">
+                <a:solidFill>
+                  <a:schemeClr val="bg1"/>
+                </a:solidFill>
+                <a:effectLst>
+                  <a:outerShdw blurRad="38100" dist="38100" dir="2700000" algn="tl">
+                    <a:srgbClr val="000000">
+                      <a:alpha val="43137"/>
+                    </a:srgbClr>
+                  </a:outerShdw>
+                </a:effectLst>
+              </a:rPr>
+            </a:br>
+            <a:r>
+              <a:rPr lang="en-US" sz="2700" b="1" dirty="0">
+                <a:solidFill>
+                  <a:schemeClr val="bg1"/>
+                </a:solidFill>
+                <a:effectLst>
+                  <a:outerShdw blurRad="38100" dist="38100" dir="2700000" algn="tl">
+                    <a:srgbClr val="000000">
+                      <a:alpha val="43137"/>
+                    </a:srgbClr>
+                  </a:outerShdw>
+                </a:effectLst>
+              </a:rPr>
+              <a:t>By: Tal </a:t>
+            </a:r>
+            <a:r>
+              <a:rPr lang="en-US" sz="2700" b="1" dirty="0" err="1">
+                <a:solidFill>
+                  <a:schemeClr val="bg1"/>
+                </a:solidFill>
+                <a:effectLst>
+                  <a:outerShdw blurRad="38100" dist="38100" dir="2700000" algn="tl">
+                    <a:srgbClr val="000000">
+                      <a:alpha val="43137"/>
+                    </a:srgbClr>
+                  </a:outerShdw>
+                </a:effectLst>
+              </a:rPr>
+              <a:t>Dekel</a:t>
             </a:r>
             <a:endParaRPr lang="en-IL" sz="4000" b="1" dirty="0">
               <a:solidFill>
